--- a/94362_94387/project/presentations/94362_94387_finalPresentation.pptx
+++ b/94362_94387/project/presentations/94362_94387_finalPresentation.pptx
@@ -19,6 +19,9 @@
     <p:sldId id="264" r:id="rId14"/>
     <p:sldId id="265" r:id="rId15"/>
     <p:sldId id="266" r:id="rId16"/>
+    <p:sldId id="267" r:id="rId17"/>
+    <p:sldId id="268" r:id="rId18"/>
+    <p:sldId id="269" r:id="rId19"/>
   </p:sldIdLst>
   <p:sldSz cy="6858000" cx="9144000"/>
   <p:notesSz cy="9144000" cx="6858000"/>
@@ -947,7 +950,7 @@
   <p:cSld>
     <p:spTree>
       <p:nvGrpSpPr>
-        <p:cNvPr id="127" name="Shape 127"/>
+        <p:cNvPr id="126" name="Shape 126"/>
         <p:cNvGrpSpPr/>
         <p:nvPr/>
       </p:nvGrpSpPr>
@@ -961,7 +964,292 @@
       </p:grpSpPr>
       <p:sp>
         <p:nvSpPr>
+          <p:cNvPr id="127" name="Shape 127"/>
+          <p:cNvSpPr/>
+          <p:nvPr>
+            <p:ph idx="2" type="sldImg"/>
+          </p:nvPr>
+        </p:nvSpPr>
+        <p:spPr>
+          <a:xfrm>
+            <a:off y="685800" x="1143000"/>
+            <a:ext cy="3429000" cx="4572000"/>
+          </a:xfrm>
+          <a:custGeom>
+            <a:pathLst>
+              <a:path w="120000" extrusionOk="0" h="120000">
+                <a:moveTo>
+                  <a:pt y="0" x="0"/>
+                </a:moveTo>
+                <a:lnTo>
+                  <a:pt y="0" x="120000"/>
+                </a:lnTo>
+                <a:lnTo>
+                  <a:pt y="120000" x="120000"/>
+                </a:lnTo>
+                <a:lnTo>
+                  <a:pt y="120000" x="0"/>
+                </a:lnTo>
+                <a:close/>
+              </a:path>
+            </a:pathLst>
+          </a:custGeom>
+        </p:spPr>
+      </p:sp>
+      <p:sp>
+        <p:nvSpPr>
           <p:cNvPr id="128" name="Shape 128"/>
+          <p:cNvSpPr txBox="1"/>
+          <p:nvPr>
+            <p:ph idx="1" type="body"/>
+          </p:nvPr>
+        </p:nvSpPr>
+        <p:spPr>
+          <a:xfrm>
+            <a:off y="4343400" x="685800"/>
+            <a:ext cy="4114800" cx="5486399"/>
+          </a:xfrm>
+          <a:prstGeom prst="rect">
+            <a:avLst/>
+          </a:prstGeom>
+        </p:spPr>
+        <p:txBody>
+          <a:bodyPr bIns="91425" rIns="91425" lIns="91425" tIns="91425" anchor="ctr" anchorCtr="0">
+            <a:noAutofit/>
+          </a:bodyPr>
+          <a:lstStyle/>
+          <a:p>
+            <a:pPr>
+              <a:spcBef>
+                <a:spcPts val="0"/>
+              </a:spcBef>
+              <a:buNone/>
+            </a:pPr>
+            <a:r>
+              <a:t/>
+            </a:r>
+            <a:endParaRPr/>
+          </a:p>
+        </p:txBody>
+      </p:sp>
+    </p:spTree>
+  </p:cSld>
+  <p:clrMapOvr>
+    <a:masterClrMapping/>
+  </p:clrMapOvr>
+</p:notes>
+</file>
+
+<file path=ppt/notesSlides/notesSlide12.xml><?xml version="1.0" encoding="utf-8"?>
+<p:notes xmlns:a="http://schemas.openxmlformats.org/drawingml/2006/main" xmlns:r="http://schemas.openxmlformats.org/officeDocument/2006/relationships" xmlns:mc="http://schemas.openxmlformats.org/markup-compatibility/2006" xmlns:mv="urn:schemas-microsoft-com:mac:vml" xmlns:p="http://schemas.openxmlformats.org/presentationml/2006/main" xmlns:c="http://schemas.openxmlformats.org/drawingml/2006/chart" xmlns:dgm="http://schemas.openxmlformats.org/drawingml/2006/diagram" xmlns:o="urn:schemas-microsoft-com:office:office" xmlns:v="urn:schemas-microsoft-com:vml" xmlns:pvml="urn:schemas-microsoft-com:office:powerpoint" xmlns:com="http://schemas.openxmlformats.org/drawingml/2006/compatibility" xmlns:p14="http://schemas.microsoft.com/office/powerpoint/2010/main" showMasterSp="0" showMasterPhAnim="0">
+  <p:cSld>
+    <p:spTree>
+      <p:nvGrpSpPr>
+        <p:cNvPr id="132" name="Shape 132"/>
+        <p:cNvGrpSpPr/>
+        <p:nvPr/>
+      </p:nvGrpSpPr>
+      <p:grpSpPr>
+        <a:xfrm>
+          <a:off y="0" x="0"/>
+          <a:ext cy="0" cx="0"/>
+          <a:chOff y="0" x="0"/>
+          <a:chExt cy="0" cx="0"/>
+        </a:xfrm>
+      </p:grpSpPr>
+      <p:sp>
+        <p:nvSpPr>
+          <p:cNvPr id="133" name="Shape 133"/>
+          <p:cNvSpPr/>
+          <p:nvPr>
+            <p:ph idx="2" type="sldImg"/>
+          </p:nvPr>
+        </p:nvSpPr>
+        <p:spPr>
+          <a:xfrm>
+            <a:off y="685800" x="1143000"/>
+            <a:ext cy="3429000" cx="4572000"/>
+          </a:xfrm>
+          <a:custGeom>
+            <a:pathLst>
+              <a:path w="120000" extrusionOk="0" h="120000">
+                <a:moveTo>
+                  <a:pt y="0" x="0"/>
+                </a:moveTo>
+                <a:lnTo>
+                  <a:pt y="0" x="120000"/>
+                </a:lnTo>
+                <a:lnTo>
+                  <a:pt y="120000" x="120000"/>
+                </a:lnTo>
+                <a:lnTo>
+                  <a:pt y="120000" x="0"/>
+                </a:lnTo>
+                <a:close/>
+              </a:path>
+            </a:pathLst>
+          </a:custGeom>
+        </p:spPr>
+      </p:sp>
+      <p:sp>
+        <p:nvSpPr>
+          <p:cNvPr id="134" name="Shape 134"/>
+          <p:cNvSpPr txBox="1"/>
+          <p:nvPr>
+            <p:ph idx="1" type="body"/>
+          </p:nvPr>
+        </p:nvSpPr>
+        <p:spPr>
+          <a:xfrm>
+            <a:off y="4343400" x="685800"/>
+            <a:ext cy="4114800" cx="5486399"/>
+          </a:xfrm>
+          <a:prstGeom prst="rect">
+            <a:avLst/>
+          </a:prstGeom>
+        </p:spPr>
+        <p:txBody>
+          <a:bodyPr bIns="91425" rIns="91425" lIns="91425" tIns="91425" anchor="ctr" anchorCtr="0">
+            <a:noAutofit/>
+          </a:bodyPr>
+          <a:lstStyle/>
+          <a:p>
+            <a:pPr>
+              <a:spcBef>
+                <a:spcPts val="0"/>
+              </a:spcBef>
+              <a:buNone/>
+            </a:pPr>
+            <a:r>
+              <a:t/>
+            </a:r>
+            <a:endParaRPr/>
+          </a:p>
+        </p:txBody>
+      </p:sp>
+    </p:spTree>
+  </p:cSld>
+  <p:clrMapOvr>
+    <a:masterClrMapping/>
+  </p:clrMapOvr>
+</p:notes>
+</file>
+
+<file path=ppt/notesSlides/notesSlide13.xml><?xml version="1.0" encoding="utf-8"?>
+<p:notes xmlns:a="http://schemas.openxmlformats.org/drawingml/2006/main" xmlns:r="http://schemas.openxmlformats.org/officeDocument/2006/relationships" xmlns:mc="http://schemas.openxmlformats.org/markup-compatibility/2006" xmlns:mv="urn:schemas-microsoft-com:mac:vml" xmlns:p="http://schemas.openxmlformats.org/presentationml/2006/main" xmlns:c="http://schemas.openxmlformats.org/drawingml/2006/chart" xmlns:dgm="http://schemas.openxmlformats.org/drawingml/2006/diagram" xmlns:o="urn:schemas-microsoft-com:office:office" xmlns:v="urn:schemas-microsoft-com:vml" xmlns:pvml="urn:schemas-microsoft-com:office:powerpoint" xmlns:com="http://schemas.openxmlformats.org/drawingml/2006/compatibility" xmlns:p14="http://schemas.microsoft.com/office/powerpoint/2010/main" showMasterSp="0" showMasterPhAnim="0">
+  <p:cSld>
+    <p:spTree>
+      <p:nvGrpSpPr>
+        <p:cNvPr id="138" name="Shape 138"/>
+        <p:cNvGrpSpPr/>
+        <p:nvPr/>
+      </p:nvGrpSpPr>
+      <p:grpSpPr>
+        <a:xfrm>
+          <a:off y="0" x="0"/>
+          <a:ext cy="0" cx="0"/>
+          <a:chOff y="0" x="0"/>
+          <a:chExt cy="0" cx="0"/>
+        </a:xfrm>
+      </p:grpSpPr>
+      <p:sp>
+        <p:nvSpPr>
+          <p:cNvPr id="139" name="Shape 139"/>
+          <p:cNvSpPr/>
+          <p:nvPr>
+            <p:ph idx="2" type="sldImg"/>
+          </p:nvPr>
+        </p:nvSpPr>
+        <p:spPr>
+          <a:xfrm>
+            <a:off y="685800" x="1143000"/>
+            <a:ext cy="3429000" cx="4572000"/>
+          </a:xfrm>
+          <a:custGeom>
+            <a:pathLst>
+              <a:path w="120000" extrusionOk="0" h="120000">
+                <a:moveTo>
+                  <a:pt y="0" x="0"/>
+                </a:moveTo>
+                <a:lnTo>
+                  <a:pt y="0" x="120000"/>
+                </a:lnTo>
+                <a:lnTo>
+                  <a:pt y="120000" x="120000"/>
+                </a:lnTo>
+                <a:lnTo>
+                  <a:pt y="120000" x="0"/>
+                </a:lnTo>
+                <a:close/>
+              </a:path>
+            </a:pathLst>
+          </a:custGeom>
+        </p:spPr>
+      </p:sp>
+      <p:sp>
+        <p:nvSpPr>
+          <p:cNvPr id="140" name="Shape 140"/>
+          <p:cNvSpPr txBox="1"/>
+          <p:nvPr>
+            <p:ph idx="1" type="body"/>
+          </p:nvPr>
+        </p:nvSpPr>
+        <p:spPr>
+          <a:xfrm>
+            <a:off y="4343400" x="685800"/>
+            <a:ext cy="4114800" cx="5486399"/>
+          </a:xfrm>
+          <a:prstGeom prst="rect">
+            <a:avLst/>
+          </a:prstGeom>
+        </p:spPr>
+        <p:txBody>
+          <a:bodyPr bIns="91425" rIns="91425" lIns="91425" tIns="91425" anchor="ctr" anchorCtr="0">
+            <a:noAutofit/>
+          </a:bodyPr>
+          <a:lstStyle/>
+          <a:p>
+            <a:pPr>
+              <a:spcBef>
+                <a:spcPts val="0"/>
+              </a:spcBef>
+              <a:buNone/>
+            </a:pPr>
+            <a:r>
+              <a:t/>
+            </a:r>
+            <a:endParaRPr/>
+          </a:p>
+        </p:txBody>
+      </p:sp>
+    </p:spTree>
+  </p:cSld>
+  <p:clrMapOvr>
+    <a:masterClrMapping/>
+  </p:clrMapOvr>
+</p:notes>
+</file>
+
+<file path=ppt/notesSlides/notesSlide14.xml><?xml version="1.0" encoding="utf-8"?>
+<p:notes xmlns:a="http://schemas.openxmlformats.org/drawingml/2006/main" xmlns:r="http://schemas.openxmlformats.org/officeDocument/2006/relationships" xmlns:mc="http://schemas.openxmlformats.org/markup-compatibility/2006" xmlns:mv="urn:schemas-microsoft-com:mac:vml" xmlns:p="http://schemas.openxmlformats.org/presentationml/2006/main" xmlns:c="http://schemas.openxmlformats.org/drawingml/2006/chart" xmlns:dgm="http://schemas.openxmlformats.org/drawingml/2006/diagram" xmlns:o="urn:schemas-microsoft-com:office:office" xmlns:v="urn:schemas-microsoft-com:vml" xmlns:pvml="urn:schemas-microsoft-com:office:powerpoint" xmlns:com="http://schemas.openxmlformats.org/drawingml/2006/compatibility" xmlns:p14="http://schemas.microsoft.com/office/powerpoint/2010/main" showMasterSp="0" showMasterPhAnim="0">
+  <p:cSld>
+    <p:spTree>
+      <p:nvGrpSpPr>
+        <p:cNvPr id="145" name="Shape 145"/>
+        <p:cNvGrpSpPr/>
+        <p:nvPr/>
+      </p:nvGrpSpPr>
+      <p:grpSpPr>
+        <a:xfrm>
+          <a:off y="0" x="0"/>
+          <a:ext cy="0" cx="0"/>
+          <a:chOff y="0" x="0"/>
+          <a:chExt cy="0" cx="0"/>
+        </a:xfrm>
+      </p:grpSpPr>
+      <p:sp>
+        <p:nvSpPr>
+          <p:cNvPr id="146" name="Shape 146"/>
           <p:cNvSpPr txBox="1"/>
           <p:nvPr>
             <p:ph idx="1" type="body"/>
@@ -997,7 +1285,7 @@
       </p:sp>
       <p:sp>
         <p:nvSpPr>
-          <p:cNvPr id="129" name="Shape 129"/>
+          <p:cNvPr id="147" name="Shape 147"/>
           <p:cNvSpPr/>
           <p:nvPr>
             <p:ph idx="2" type="sldImg"/>
@@ -6563,8 +6851,8 @@
         </p:blipFill>
         <p:spPr>
           <a:xfrm>
-            <a:off y="858505" x="0"/>
-            <a:ext cy="5140989" cx="9144000"/>
+            <a:off y="1486213" x="622637"/>
+            <a:ext cy="4440875" cx="7898724"/>
           </a:xfrm>
           <a:prstGeom prst="rect">
             <a:avLst/>
@@ -6613,6 +6901,276 @@
         </p:nvSpPr>
         <p:spPr>
           <a:xfrm>
+            <a:off y="1066800" x="323528"/>
+            <a:ext cy="5279699" cx="8471999"/>
+          </a:xfrm>
+          <a:prstGeom prst="rect">
+            <a:avLst/>
+          </a:prstGeom>
+        </p:spPr>
+        <p:txBody>
+          <a:bodyPr bIns="91425" rIns="91425" lIns="91425" tIns="91425" anchor="ctr" anchorCtr="0">
+            <a:noAutofit/>
+          </a:bodyPr>
+          <a:lstStyle/>
+          <a:p>
+            <a:pPr>
+              <a:spcBef>
+                <a:spcPts val="0"/>
+              </a:spcBef>
+              <a:buNone/>
+            </a:pPr>
+            <a:r>
+              <a:t/>
+            </a:r>
+            <a:endParaRPr/>
+          </a:p>
+        </p:txBody>
+      </p:sp>
+      <p:pic>
+        <p:nvPicPr>
+          <p:cNvPr id="125" name="Shape 125"/>
+          <p:cNvPicPr preferRelativeResize="0"/>
+          <p:nvPr/>
+        </p:nvPicPr>
+        <p:blipFill>
+          <a:blip r:embed="rId3"/>
+          <a:stretch>
+            <a:fillRect/>
+          </a:stretch>
+        </p:blipFill>
+        <p:spPr>
+          <a:xfrm>
+            <a:off y="1355299" x="377299"/>
+            <a:ext cy="4702700" cx="8364451"/>
+          </a:xfrm>
+          <a:prstGeom prst="rect">
+            <a:avLst/>
+          </a:prstGeom>
+          <a:noFill/>
+          <a:ln>
+            <a:noFill/>
+          </a:ln>
+        </p:spPr>
+      </p:pic>
+    </p:spTree>
+  </p:cSld>
+  <p:clrMapOvr>
+    <a:masterClrMapping/>
+  </p:clrMapOvr>
+  <p:transition spd="slow">
+    <p:cut/>
+  </p:transition>
+</p:sld>
+</file>
+
+<file path=ppt/slides/slide12.xml><?xml version="1.0" encoding="utf-8"?>
+<p:sld xmlns:a="http://schemas.openxmlformats.org/drawingml/2006/main" xmlns:r="http://schemas.openxmlformats.org/officeDocument/2006/relationships" xmlns:mc="http://schemas.openxmlformats.org/markup-compatibility/2006" xmlns:mv="urn:schemas-microsoft-com:mac:vml" xmlns:p="http://schemas.openxmlformats.org/presentationml/2006/main" xmlns:c="http://schemas.openxmlformats.org/drawingml/2006/chart" xmlns:dgm="http://schemas.openxmlformats.org/drawingml/2006/diagram" xmlns:o="urn:schemas-microsoft-com:office:office" xmlns:v="urn:schemas-microsoft-com:vml" xmlns:pvml="urn:schemas-microsoft-com:office:powerpoint" xmlns:com="http://schemas.openxmlformats.org/drawingml/2006/compatibility" xmlns:p14="http://schemas.microsoft.com/office/powerpoint/2010/main">
+  <p:cSld>
+    <p:spTree>
+      <p:nvGrpSpPr>
+        <p:cNvPr id="129" name="Shape 129"/>
+        <p:cNvGrpSpPr/>
+        <p:nvPr/>
+      </p:nvGrpSpPr>
+      <p:grpSpPr>
+        <a:xfrm>
+          <a:off y="0" x="0"/>
+          <a:ext cy="0" cx="0"/>
+          <a:chOff y="0" x="0"/>
+          <a:chExt cy="0" cx="0"/>
+        </a:xfrm>
+      </p:grpSpPr>
+      <p:sp>
+        <p:nvSpPr>
+          <p:cNvPr id="130" name="Shape 130"/>
+          <p:cNvSpPr txBox="1"/>
+          <p:nvPr>
+            <p:ph idx="1" type="body"/>
+          </p:nvPr>
+        </p:nvSpPr>
+        <p:spPr>
+          <a:xfrm>
+            <a:off y="1066800" x="323528"/>
+            <a:ext cy="5279699" cx="8471999"/>
+          </a:xfrm>
+          <a:prstGeom prst="rect">
+            <a:avLst/>
+          </a:prstGeom>
+        </p:spPr>
+        <p:txBody>
+          <a:bodyPr bIns="91425" rIns="91425" lIns="91425" tIns="91425" anchor="ctr" anchorCtr="0">
+            <a:noAutofit/>
+          </a:bodyPr>
+          <a:lstStyle/>
+          <a:p>
+            <a:pPr>
+              <a:spcBef>
+                <a:spcPts val="0"/>
+              </a:spcBef>
+              <a:buNone/>
+            </a:pPr>
+            <a:r>
+              <a:t/>
+            </a:r>
+            <a:endParaRPr/>
+          </a:p>
+        </p:txBody>
+      </p:sp>
+      <p:pic>
+        <p:nvPicPr>
+          <p:cNvPr id="131" name="Shape 131"/>
+          <p:cNvPicPr preferRelativeResize="0"/>
+          <p:nvPr/>
+        </p:nvPicPr>
+        <p:blipFill>
+          <a:blip r:embed="rId3"/>
+          <a:stretch>
+            <a:fillRect/>
+          </a:stretch>
+        </p:blipFill>
+        <p:spPr>
+          <a:xfrm>
+            <a:off y="1462161" x="579876"/>
+            <a:ext cy="4488975" cx="7984249"/>
+          </a:xfrm>
+          <a:prstGeom prst="rect">
+            <a:avLst/>
+          </a:prstGeom>
+          <a:noFill/>
+          <a:ln>
+            <a:noFill/>
+          </a:ln>
+        </p:spPr>
+      </p:pic>
+    </p:spTree>
+  </p:cSld>
+  <p:clrMapOvr>
+    <a:masterClrMapping/>
+  </p:clrMapOvr>
+  <p:transition spd="slow">
+    <p:cut/>
+  </p:transition>
+</p:sld>
+</file>
+
+<file path=ppt/slides/slide13.xml><?xml version="1.0" encoding="utf-8"?>
+<p:sld xmlns:a="http://schemas.openxmlformats.org/drawingml/2006/main" xmlns:r="http://schemas.openxmlformats.org/officeDocument/2006/relationships" xmlns:mc="http://schemas.openxmlformats.org/markup-compatibility/2006" xmlns:mv="urn:schemas-microsoft-com:mac:vml" xmlns:p="http://schemas.openxmlformats.org/presentationml/2006/main" xmlns:c="http://schemas.openxmlformats.org/drawingml/2006/chart" xmlns:dgm="http://schemas.openxmlformats.org/drawingml/2006/diagram" xmlns:o="urn:schemas-microsoft-com:office:office" xmlns:v="urn:schemas-microsoft-com:vml" xmlns:pvml="urn:schemas-microsoft-com:office:powerpoint" xmlns:com="http://schemas.openxmlformats.org/drawingml/2006/compatibility" xmlns:p14="http://schemas.microsoft.com/office/powerpoint/2010/main">
+  <p:cSld>
+    <p:spTree>
+      <p:nvGrpSpPr>
+        <p:cNvPr id="135" name="Shape 135"/>
+        <p:cNvGrpSpPr/>
+        <p:nvPr/>
+      </p:nvGrpSpPr>
+      <p:grpSpPr>
+        <a:xfrm>
+          <a:off y="0" x="0"/>
+          <a:ext cy="0" cx="0"/>
+          <a:chOff y="0" x="0"/>
+          <a:chExt cy="0" cx="0"/>
+        </a:xfrm>
+      </p:grpSpPr>
+      <p:sp>
+        <p:nvSpPr>
+          <p:cNvPr id="136" name="Shape 136"/>
+          <p:cNvSpPr txBox="1"/>
+          <p:nvPr>
+            <p:ph idx="1" type="body"/>
+          </p:nvPr>
+        </p:nvSpPr>
+        <p:spPr>
+          <a:xfrm>
+            <a:off y="1066800" x="323528"/>
+            <a:ext cy="5279699" cx="8471999"/>
+          </a:xfrm>
+          <a:prstGeom prst="rect">
+            <a:avLst/>
+          </a:prstGeom>
+        </p:spPr>
+        <p:txBody>
+          <a:bodyPr bIns="91425" rIns="91425" lIns="91425" tIns="91425" anchor="ctr" anchorCtr="0">
+            <a:noAutofit/>
+          </a:bodyPr>
+          <a:lstStyle/>
+          <a:p>
+            <a:pPr>
+              <a:spcBef>
+                <a:spcPts val="0"/>
+              </a:spcBef>
+              <a:buNone/>
+            </a:pPr>
+            <a:r>
+              <a:t/>
+            </a:r>
+            <a:endParaRPr/>
+          </a:p>
+        </p:txBody>
+      </p:sp>
+      <p:pic>
+        <p:nvPicPr>
+          <p:cNvPr id="137" name="Shape 137"/>
+          <p:cNvPicPr preferRelativeResize="0"/>
+          <p:nvPr/>
+        </p:nvPicPr>
+        <p:blipFill>
+          <a:blip r:embed="rId3"/>
+          <a:stretch>
+            <a:fillRect/>
+          </a:stretch>
+        </p:blipFill>
+        <p:spPr>
+          <a:xfrm>
+            <a:off y="1280950" x="410075"/>
+            <a:ext cy="4679875" cx="8323850"/>
+          </a:xfrm>
+          <a:prstGeom prst="rect">
+            <a:avLst/>
+          </a:prstGeom>
+          <a:noFill/>
+          <a:ln>
+            <a:noFill/>
+          </a:ln>
+        </p:spPr>
+      </p:pic>
+    </p:spTree>
+  </p:cSld>
+  <p:clrMapOvr>
+    <a:masterClrMapping/>
+  </p:clrMapOvr>
+  <p:transition spd="slow">
+    <p:cut/>
+  </p:transition>
+</p:sld>
+</file>
+
+<file path=ppt/slides/slide14.xml><?xml version="1.0" encoding="utf-8"?>
+<p:sld xmlns:a="http://schemas.openxmlformats.org/drawingml/2006/main" xmlns:r="http://schemas.openxmlformats.org/officeDocument/2006/relationships" xmlns:mc="http://schemas.openxmlformats.org/markup-compatibility/2006" xmlns:mv="urn:schemas-microsoft-com:mac:vml" xmlns:p="http://schemas.openxmlformats.org/presentationml/2006/main" xmlns:c="http://schemas.openxmlformats.org/drawingml/2006/chart" xmlns:dgm="http://schemas.openxmlformats.org/drawingml/2006/diagram" xmlns:o="urn:schemas-microsoft-com:office:office" xmlns:v="urn:schemas-microsoft-com:vml" xmlns:pvml="urn:schemas-microsoft-com:office:powerpoint" xmlns:com="http://schemas.openxmlformats.org/drawingml/2006/compatibility" xmlns:p14="http://schemas.microsoft.com/office/powerpoint/2010/main">
+  <p:cSld>
+    <p:spTree>
+      <p:nvGrpSpPr>
+        <p:cNvPr id="141" name="Shape 141"/>
+        <p:cNvGrpSpPr/>
+        <p:nvPr/>
+      </p:nvGrpSpPr>
+      <p:grpSpPr>
+        <a:xfrm>
+          <a:off y="0" x="0"/>
+          <a:ext cy="0" cx="0"/>
+          <a:chOff y="0" x="0"/>
+          <a:chExt cy="0" cx="0"/>
+        </a:xfrm>
+      </p:grpSpPr>
+      <p:sp>
+        <p:nvSpPr>
+          <p:cNvPr id="142" name="Shape 142"/>
+          <p:cNvSpPr txBox="1"/>
+          <p:nvPr>
+            <p:ph idx="1" type="body"/>
+          </p:nvPr>
+        </p:nvSpPr>
+        <p:spPr>
+          <a:xfrm>
             <a:off y="1085550" x="211103"/>
             <a:ext cy="5279699" cx="8471999"/>
           </a:xfrm>
@@ -6784,7 +7342,7 @@
       </p:sp>
       <p:sp>
         <p:nvSpPr>
-          <p:cNvPr id="125" name="Shape 125"/>
+          <p:cNvPr id="143" name="Shape 143"/>
           <p:cNvSpPr txBox="1"/>
           <p:nvPr>
             <p:ph idx="12" type="sldNum"/>
@@ -6829,7 +7387,7 @@
       </p:sp>
       <p:sp>
         <p:nvSpPr>
-          <p:cNvPr id="126" name="Shape 126"/>
+          <p:cNvPr id="144" name="Shape 144"/>
           <p:cNvSpPr txBox="1"/>
           <p:nvPr>
             <p:ph idx="10" type="dt"/>
@@ -6959,55 +7517,6 @@
               <a:t>Stworzenie narzędzia, które pozwoli na równoległą pracę nad obrazkami zapisanymi w formacie DICOM przez osoby przebywające w różnych miejscach</a:t>
             </a:r>
           </a:p>
-          <a:p>
-            <a:pPr algn="ctr" rtl="0" lvl="0" marR="0" indent="0" marL="0">
-              <a:spcBef>
-                <a:spcPts val="560"/>
-              </a:spcBef>
-              <a:buClr>
-                <a:srgbClr val="16515F"/>
-              </a:buClr>
-              <a:buFont typeface="Galdeano"/>
-              <a:buNone/>
-            </a:pPr>
-            <a:r>
-              <a:t/>
-            </a:r>
-            <a:endParaRPr strike="noStrike" u="none" b="0" cap="none" baseline="0" sz="2800" i="0">
-              <a:solidFill>
-                <a:srgbClr val="16515F"/>
-              </a:solidFill>
-              <a:latin typeface="Galdeano"/>
-              <a:ea typeface="Galdeano"/>
-              <a:cs typeface="Galdeano"/>
-              <a:sym typeface="Galdeano"/>
-            </a:endParaRPr>
-          </a:p>
-          <a:p>
-            <a:pPr algn="ctr" rtl="0" lvl="0" marR="0" indent="0" marL="0">
-              <a:spcBef>
-                <a:spcPts val="560"/>
-              </a:spcBef>
-              <a:buClr>
-                <a:srgbClr val="16515F"/>
-              </a:buClr>
-              <a:buSzPct val="25000"/>
-              <a:buFont typeface="Galdeano"/>
-              <a:buNone/>
-            </a:pPr>
-            <a:r>
-              <a:rPr strike="noStrike" u="none" b="0" cap="none" baseline="0" sz="2800" lang="pl-PL" i="0">
-                <a:solidFill>
-                  <a:srgbClr val="16515F"/>
-                </a:solidFill>
-                <a:latin typeface="Galdeano"/>
-                <a:ea typeface="Galdeano"/>
-                <a:cs typeface="Galdeano"/>
-                <a:sym typeface="Galdeano"/>
-              </a:rPr>
-              <a:t>Praca oznaczać będzie zaznaczanie oraz komentowanie fragmentów zdjęcia i zapisywanie zmian po stronie serwera</a:t>
-            </a:r>
-          </a:p>
         </p:txBody>
       </p:sp>
       <p:sp>
@@ -7185,7 +7694,7 @@
             <a:tbl>
               <a:tblPr>
                 <a:noFill/>
-                <a:tableStyleId>{289D338A-B00F-47B3-8939-2E7CFB6D8F2D}</a:tableStyleId>
+                <a:tableStyleId>{0B176DA4-F146-4AF5-923D-8BFE40361428}</a:tableStyleId>
               </a:tblPr>
               <a:tblGrid>
                 <a:gridCol w="1679975"/>
@@ -7358,7 +7867,7 @@
                       </a:pPr>
                       <a:r>
                         <a:rPr lang="pl-PL"/>
-                        <a:t>WYKONANO (bez usuwania konta)</a:t>
+                        <a:t>100% </a:t>
                       </a:r>
                     </a:p>
                   </a:txBody>
@@ -7448,7 +7957,7 @@
                       </a:pPr>
                       <a:r>
                         <a:rPr lang="pl-PL"/>
-                        <a:t>WYKONANO</a:t>
+                        <a:t>100%</a:t>
                       </a:r>
                     </a:p>
                   </a:txBody>
@@ -7538,7 +8047,7 @@
                       </a:pPr>
                       <a:r>
                         <a:rPr lang="pl-PL"/>
-                        <a:t>WYKONANO</a:t>
+                        <a:t>100%</a:t>
                       </a:r>
                     </a:p>
                   </a:txBody>
@@ -7623,9 +8132,9 @@
                         <a:buNone/>
                       </a:pPr>
                       <a:r>
-                        <a:t/>
+                        <a:rPr lang="pl-PL"/>
+                        <a:t>100%</a:t>
                       </a:r>
-                      <a:endParaRPr/>
                     </a:p>
                   </a:txBody>
                   <a:tcPr marR="91425" marB="91425" marT="91425" marL="91425"/>
@@ -7714,7 +8223,7 @@
                       </a:pPr>
                       <a:r>
                         <a:rPr lang="pl-PL"/>
-                        <a:t>WYKONANO</a:t>
+                        <a:t>100%</a:t>
                       </a:r>
                     </a:p>
                   </a:txBody>
@@ -7804,7 +8313,7 @@
                       </a:pPr>
                       <a:r>
                         <a:rPr lang="pl-PL"/>
-                        <a:t>WYKONANO</a:t>
+                        <a:t>100%</a:t>
                       </a:r>
                     </a:p>
                   </a:txBody>
@@ -7894,7 +8403,7 @@
                       </a:pPr>
                       <a:r>
                         <a:rPr lang="pl-PL"/>
-                        <a:t>WYKONANO</a:t>
+                        <a:t>100%</a:t>
                       </a:r>
                     </a:p>
                   </a:txBody>
@@ -7976,7 +8485,7 @@
                     </a:bodyPr>
                     <a:lstStyle/>
                     <a:p>
-                      <a:pPr>
+                      <a:pPr rtl="0" lvl="0">
                         <a:spcBef>
                           <a:spcPts val="0"/>
                         </a:spcBef>
@@ -7984,7 +8493,7 @@
                       </a:pPr>
                       <a:r>
                         <a:rPr lang="pl-PL"/>
-                        <a:t>WYKONANO</a:t>
+                        <a:t>100%</a:t>
                       </a:r>
                     </a:p>
                   </a:txBody>
@@ -8073,9 +8582,9 @@
                         <a:buNone/>
                       </a:pPr>
                       <a:r>
-                        <a:t/>
+                        <a:rPr lang="pl-PL"/>
+                        <a:t>50%</a:t>
                       </a:r>
-                      <a:endParaRPr/>
                     </a:p>
                   </a:txBody>
                   <a:tcPr marR="91425" marB="91425" marT="91425" marL="91425"/>
@@ -8163,9 +8672,9 @@
                         <a:buNone/>
                       </a:pPr>
                       <a:r>
-                        <a:t/>
+                        <a:rPr lang="pl-PL"/>
+                        <a:t>100%</a:t>
                       </a:r>
-                      <a:endParaRPr/>
                     </a:p>
                   </a:txBody>
                   <a:tcPr marR="91425" marB="91425" marT="91425" marL="91425"/>
@@ -8272,7 +8781,7 @@
                 <a:cs typeface="Galdeano"/>
                 <a:sym typeface="Galdeano"/>
               </a:rPr>
-              <a:t>Implementacja obsługi funkcjonalności aplikacji klienckiej po stronie serwera,</a:t>
+              <a:t>Logowanie zdarzeń od każdego z klientów</a:t>
             </a:r>
           </a:p>
           <a:p>
@@ -8297,7 +8806,7 @@
                 <a:cs typeface="Galdeano"/>
                 <a:sym typeface="Galdeano"/>
               </a:rPr>
-              <a:t>pobieranie plików z serwera</a:t>
+              <a:t>Zapis zdarzeń do bazy danych</a:t>
             </a:r>
           </a:p>
           <a:p>
@@ -8322,7 +8831,7 @@
                 <a:cs typeface="Galdeano"/>
                 <a:sym typeface="Galdeano"/>
               </a:rPr>
-              <a:t>udostępnianie zdjęć innym użytkownikom</a:t>
+              <a:t>Rozsył zdarzeń do innych użytkowników</a:t>
             </a:r>
           </a:p>
           <a:p>
@@ -8347,82 +8856,7 @@
                 <a:cs typeface="Galdeano"/>
                 <a:sym typeface="Galdeano"/>
               </a:rPr>
-              <a:t>Poprawa interfejsu uzytkownika</a:t>
-            </a:r>
-          </a:p>
-          <a:p>
-            <a:pPr rtl="0" lvl="1" indent="-285750" marL="742950">
-              <a:spcBef>
-                <a:spcPts val="560"/>
-              </a:spcBef>
-              <a:buClr>
-                <a:srgbClr val="C00000"/>
-              </a:buClr>
-              <a:buSzPct val="100000"/>
-              <a:buFont typeface="Galdeano"/>
-              <a:buChar char="–"/>
-            </a:pPr>
-            <a:r>
-              <a:rPr sz="2800" lang="pl-PL">
-                <a:solidFill>
-                  <a:srgbClr val="C00000"/>
-                </a:solidFill>
-                <a:latin typeface="Galdeano"/>
-                <a:ea typeface="Galdeano"/>
-                <a:cs typeface="Galdeano"/>
-                <a:sym typeface="Galdeano"/>
-              </a:rPr>
-              <a:t>komunikacja klient serwer</a:t>
-            </a:r>
-          </a:p>
-          <a:p>
-            <a:pPr rtl="0" lvl="1" indent="-285750" marL="742950">
-              <a:spcBef>
-                <a:spcPts val="560"/>
-              </a:spcBef>
-              <a:buClr>
-                <a:srgbClr val="C00000"/>
-              </a:buClr>
-              <a:buSzPct val="100000"/>
-              <a:buFont typeface="Galdeano"/>
-              <a:buChar char="–"/>
-            </a:pPr>
-            <a:r>
-              <a:rPr sz="2800" lang="pl-PL">
-                <a:solidFill>
-                  <a:srgbClr val="C00000"/>
-                </a:solidFill>
-                <a:latin typeface="Galdeano"/>
-                <a:ea typeface="Galdeano"/>
-                <a:cs typeface="Galdeano"/>
-                <a:sym typeface="Galdeano"/>
-              </a:rPr>
-              <a:t>synchronizacja klientów miedzy soba</a:t>
-            </a:r>
-          </a:p>
-          <a:p>
-            <a:pPr rtl="0" lvl="1" indent="-285750" marL="742950">
-              <a:spcBef>
-                <a:spcPts val="560"/>
-              </a:spcBef>
-              <a:buClr>
-                <a:srgbClr val="C00000"/>
-              </a:buClr>
-              <a:buSzPct val="100000"/>
-              <a:buFont typeface="Galdeano"/>
-              <a:buChar char="–"/>
-            </a:pPr>
-            <a:r>
-              <a:rPr sz="2800" lang="pl-PL">
-                <a:solidFill>
-                  <a:srgbClr val="C00000"/>
-                </a:solidFill>
-                <a:latin typeface="Galdeano"/>
-                <a:ea typeface="Galdeano"/>
-                <a:cs typeface="Galdeano"/>
-                <a:sym typeface="Galdeano"/>
-              </a:rPr>
-              <a:t>zapamiętywanie i możliwość przeglądu historii operacji</a:t>
+              <a:t>Kolorystyczna separacja użytkowników w edytorze</a:t>
             </a:r>
           </a:p>
           <a:p>
@@ -8607,8 +9041,8 @@
         </p:blipFill>
         <p:spPr>
           <a:xfrm>
-            <a:off y="1395237" x="460825"/>
-            <a:ext cy="4622824" cx="8222350"/>
+            <a:off y="1303737" x="285600"/>
+            <a:ext cy="4805825" cx="8547850"/>
           </a:xfrm>
           <a:prstGeom prst="rect">
             <a:avLst/>
@@ -8697,8 +9131,8 @@
         </p:blipFill>
         <p:spPr>
           <a:xfrm>
-            <a:off y="1242837" x="323525"/>
-            <a:ext cy="4927624" cx="8472000"/>
+            <a:off y="1303750" x="298100"/>
+            <a:ext cy="4805800" cx="8547799"/>
           </a:xfrm>
           <a:prstGeom prst="rect">
             <a:avLst/>
@@ -8787,8 +9221,8 @@
         </p:blipFill>
         <p:spPr>
           <a:xfrm>
-            <a:off y="858505" x="0"/>
-            <a:ext cy="5140989" cx="9144000"/>
+            <a:off y="1397399" x="464662"/>
+            <a:ext cy="4618500" cx="8214676"/>
           </a:xfrm>
           <a:prstGeom prst="rect">
             <a:avLst/>
@@ -8877,8 +9311,8 @@
         </p:blipFill>
         <p:spPr>
           <a:xfrm>
-            <a:off y="858505" x="0"/>
-            <a:ext cy="5140989" cx="9144000"/>
+            <a:off y="1348474" x="365150"/>
+            <a:ext cy="4625049" cx="8226349"/>
           </a:xfrm>
           <a:prstGeom prst="rect">
             <a:avLst/>
